--- a/Slides/SSDT Introduction.pptx
+++ b/Slides/SSDT Introduction.pptx
@@ -5,10 +5,10 @@
     <p:sldMasterId id="2147483660" r:id="rId2"/>
   </p:sldMasterIdLst>
   <p:notesMasterIdLst>
-    <p:notesMasterId r:id="rId11"/>
+    <p:notesMasterId r:id="rId13"/>
   </p:notesMasterIdLst>
   <p:handoutMasterIdLst>
-    <p:handoutMasterId r:id="rId12"/>
+    <p:handoutMasterId r:id="rId14"/>
   </p:handoutMasterIdLst>
   <p:sldIdLst>
     <p:sldId id="257" r:id="rId3"/>
@@ -16,9 +16,11 @@
     <p:sldId id="272" r:id="rId5"/>
     <p:sldId id="273" r:id="rId6"/>
     <p:sldId id="274" r:id="rId7"/>
-    <p:sldId id="259" r:id="rId8"/>
-    <p:sldId id="276" r:id="rId9"/>
-    <p:sldId id="277" r:id="rId10"/>
+    <p:sldId id="278" r:id="rId8"/>
+    <p:sldId id="279" r:id="rId9"/>
+    <p:sldId id="259" r:id="rId10"/>
+    <p:sldId id="276" r:id="rId11"/>
+    <p:sldId id="277" r:id="rId12"/>
   </p:sldIdLst>
   <p:sldSz cx="12188825" cy="6858000"/>
   <p:notesSz cx="6858000" cy="9144000"/>
@@ -5299,6 +5301,104 @@
 </p:sld>
 </file>
 
+<file path=ppt/slides/slide10.xml><?xml version="1.0" encoding="utf-8"?>
+<p:sld xmlns:a="http://schemas.openxmlformats.org/drawingml/2006/main" xmlns:r="http://schemas.openxmlformats.org/officeDocument/2006/relationships" xmlns:p="http://schemas.openxmlformats.org/presentationml/2006/main">
+  <p:cSld>
+    <p:spTree>
+      <p:nvGrpSpPr>
+        <p:cNvPr id="1" name=""/>
+        <p:cNvGrpSpPr/>
+        <p:nvPr/>
+      </p:nvGrpSpPr>
+      <p:grpSpPr>
+        <a:xfrm>
+          <a:off x="0" y="0"/>
+          <a:ext cx="0" cy="0"/>
+          <a:chOff x="0" y="0"/>
+          <a:chExt cx="0" cy="0"/>
+        </a:xfrm>
+      </p:grpSpPr>
+      <p:sp>
+        <p:nvSpPr>
+          <p:cNvPr id="6" name="Title 5"/>
+          <p:cNvSpPr>
+            <a:spLocks noGrp="1"/>
+          </p:cNvSpPr>
+          <p:nvPr>
+            <p:ph type="title"/>
+          </p:nvPr>
+        </p:nvSpPr>
+        <p:spPr/>
+        <p:txBody>
+          <a:bodyPr/>
+          <a:lstStyle/>
+          <a:p>
+            <a:r>
+              <a:rPr lang="en-US" dirty="0" smtClean="0"/>
+              <a:t>Demo: </a:t>
+            </a:r>
+            <a:br>
+              <a:rPr lang="en-US" dirty="0" smtClean="0"/>
+            </a:br>
+            <a:r>
+              <a:rPr lang="en-US" dirty="0" smtClean="0"/>
+              <a:t>Entity Framework Code First</a:t>
+            </a:r>
+            <a:endParaRPr lang="en-US" dirty="0"/>
+          </a:p>
+        </p:txBody>
+      </p:sp>
+      <p:sp>
+        <p:nvSpPr>
+          <p:cNvPr id="7" name="Text Placeholder 6"/>
+          <p:cNvSpPr>
+            <a:spLocks noGrp="1"/>
+          </p:cNvSpPr>
+          <p:nvPr>
+            <p:ph type="body" idx="1"/>
+          </p:nvPr>
+        </p:nvSpPr>
+        <p:spPr/>
+        <p:txBody>
+          <a:bodyPr/>
+          <a:lstStyle/>
+          <a:p>
+            <a:endParaRPr lang="en-US" dirty="0"/>
+          </a:p>
+        </p:txBody>
+      </p:sp>
+    </p:spTree>
+    <p:extLst>
+      <p:ext uri="{BB962C8B-B14F-4D97-AF65-F5344CB8AC3E}">
+        <p14:creationId xmlns:p14="http://schemas.microsoft.com/office/powerpoint/2010/main" val="1222112105"/>
+      </p:ext>
+    </p:extLst>
+  </p:cSld>
+  <p:clrMapOvr>
+    <a:masterClrMapping/>
+  </p:clrMapOvr>
+  <mc:AlternateContent xmlns:mc="http://schemas.openxmlformats.org/markup-compatibility/2006">
+    <mc:Choice xmlns:p14="http://schemas.microsoft.com/office/powerpoint/2010/main" Requires="p14">
+      <p:transition spd="med" p14:dur="700">
+        <p:fade/>
+      </p:transition>
+    </mc:Choice>
+    <mc:Fallback>
+      <p:transition spd="med">
+        <p:fade/>
+      </p:transition>
+    </mc:Fallback>
+  </mc:AlternateContent>
+  <p:timing>
+    <p:tnLst>
+      <p:par>
+        <p:cTn id="1" dur="indefinite" restart="never" nodeType="tmRoot"/>
+      </p:par>
+    </p:tnLst>
+  </p:timing>
+</p:sld>
+</file>
+
 <file path=ppt/slides/slide2.xml><?xml version="1.0" encoding="utf-8"?>
 <p:sld xmlns:a="http://schemas.openxmlformats.org/drawingml/2006/main" xmlns:r="http://schemas.openxmlformats.org/officeDocument/2006/relationships" xmlns:p="http://schemas.openxmlformats.org/presentationml/2006/main">
   <p:cSld>
@@ -5388,7 +5488,7 @@
           <a:p>
             <a:r>
               <a:rPr lang="en-US" dirty="0" smtClean="0"/>
-              <a:t>Supports SQL CLR Development</a:t>
+              <a:t>Supports SQL CLR Development and Unit Testing</a:t>
             </a:r>
             <a:endParaRPr lang="en-US" dirty="0" smtClean="0"/>
           </a:p>
@@ -5517,9 +5617,9 @@
           <a:p>
             <a:r>
               <a:rPr lang="en-US" dirty="0" smtClean="0"/>
-              <a:t>Current CTD of SSDT support </a:t>
-            </a:r>
-            <a:endParaRPr lang="en-US" dirty="0"/>
+              <a:t>CTP of SSDT is available for SQL Server 2014 CTP2</a:t>
+            </a:r>
+            <a:endParaRPr lang="en-US" dirty="0" smtClean="0"/>
           </a:p>
         </p:txBody>
       </p:sp>
@@ -5802,6 +5902,256 @@
       </p:grpSpPr>
       <p:sp>
         <p:nvSpPr>
+          <p:cNvPr id="2" name="Title 1"/>
+          <p:cNvSpPr>
+            <a:spLocks noGrp="1"/>
+          </p:cNvSpPr>
+          <p:nvPr>
+            <p:ph type="title"/>
+          </p:nvPr>
+        </p:nvSpPr>
+        <p:spPr/>
+        <p:txBody>
+          <a:bodyPr/>
+          <a:lstStyle/>
+          <a:p>
+            <a:r>
+              <a:rPr lang="en-US" dirty="0" smtClean="0"/>
+              <a:t>The other SQL Server Data Tools (SSDT-BI)</a:t>
+            </a:r>
+            <a:endParaRPr lang="en-US" dirty="0"/>
+          </a:p>
+        </p:txBody>
+      </p:sp>
+      <p:sp>
+        <p:nvSpPr>
+          <p:cNvPr id="3" name="Content Placeholder 2"/>
+          <p:cNvSpPr>
+            <a:spLocks noGrp="1"/>
+          </p:cNvSpPr>
+          <p:nvPr>
+            <p:ph idx="1"/>
+          </p:nvPr>
+        </p:nvSpPr>
+        <p:spPr/>
+        <p:txBody>
+          <a:bodyPr/>
+          <a:lstStyle/>
+          <a:p>
+            <a:r>
+              <a:rPr lang="en-US" dirty="0" smtClean="0"/>
+              <a:t>Distinct toolset for creating and managing SQL Server Business Intelligence project</a:t>
+            </a:r>
+          </a:p>
+          <a:p>
+            <a:r>
+              <a:rPr lang="en-US" dirty="0" smtClean="0"/>
+              <a:t>Optional featured installed with SQL Server 2012</a:t>
+            </a:r>
+          </a:p>
+          <a:p>
+            <a:r>
+              <a:rPr lang="en-US" dirty="0" smtClean="0"/>
+              <a:t>Also integrates with Visual Studio or Stand Alone product</a:t>
+            </a:r>
+          </a:p>
+          <a:p>
+            <a:r>
+              <a:rPr lang="en-US" dirty="0" smtClean="0"/>
+              <a:t>Provides Project Templates for:</a:t>
+            </a:r>
+          </a:p>
+          <a:p>
+            <a:pPr lvl="1"/>
+            <a:r>
+              <a:rPr lang="en-US" dirty="0"/>
+              <a:t>Analysis services projects</a:t>
+            </a:r>
+          </a:p>
+          <a:p>
+            <a:pPr lvl="1"/>
+            <a:r>
+              <a:rPr lang="en-US" dirty="0"/>
+              <a:t>Reporting services projects</a:t>
+            </a:r>
+          </a:p>
+          <a:p>
+            <a:pPr lvl="1"/>
+            <a:r>
+              <a:rPr lang="en-US" dirty="0"/>
+              <a:t>Integration services projects</a:t>
+            </a:r>
+          </a:p>
+          <a:p>
+            <a:pPr lvl="1"/>
+            <a:endParaRPr lang="en-US" dirty="0" smtClean="0"/>
+          </a:p>
+          <a:p>
+            <a:endParaRPr lang="en-US" dirty="0"/>
+          </a:p>
+        </p:txBody>
+      </p:sp>
+    </p:spTree>
+    <p:extLst>
+      <p:ext uri="{BB962C8B-B14F-4D97-AF65-F5344CB8AC3E}">
+        <p14:creationId xmlns:p14="http://schemas.microsoft.com/office/powerpoint/2010/main" val="1423677285"/>
+      </p:ext>
+    </p:extLst>
+  </p:cSld>
+  <p:clrMapOvr>
+    <a:masterClrMapping/>
+  </p:clrMapOvr>
+  <mc:AlternateContent xmlns:mc="http://schemas.openxmlformats.org/markup-compatibility/2006">
+    <mc:Choice xmlns:p14="http://schemas.microsoft.com/office/powerpoint/2010/main" Requires="p14">
+      <p:transition spd="med" p14:dur="700">
+        <p:fade/>
+      </p:transition>
+    </mc:Choice>
+    <mc:Fallback>
+      <p:transition spd="med">
+        <p:fade/>
+      </p:transition>
+    </mc:Fallback>
+  </mc:AlternateContent>
+</p:sld>
+</file>
+
+<file path=ppt/slides/slide7.xml><?xml version="1.0" encoding="utf-8"?>
+<p:sld xmlns:a="http://schemas.openxmlformats.org/drawingml/2006/main" xmlns:r="http://schemas.openxmlformats.org/officeDocument/2006/relationships" xmlns:p="http://schemas.openxmlformats.org/presentationml/2006/main">
+  <p:cSld>
+    <p:spTree>
+      <p:nvGrpSpPr>
+        <p:cNvPr id="1" name=""/>
+        <p:cNvGrpSpPr/>
+        <p:nvPr/>
+      </p:nvGrpSpPr>
+      <p:grpSpPr>
+        <a:xfrm>
+          <a:off x="0" y="0"/>
+          <a:ext cx="0" cy="0"/>
+          <a:chOff x="0" y="0"/>
+          <a:chExt cx="0" cy="0"/>
+        </a:xfrm>
+      </p:grpSpPr>
+      <p:sp>
+        <p:nvSpPr>
+          <p:cNvPr id="2" name="Title 1"/>
+          <p:cNvSpPr>
+            <a:spLocks noGrp="1"/>
+          </p:cNvSpPr>
+          <p:nvPr>
+            <p:ph type="title"/>
+          </p:nvPr>
+        </p:nvSpPr>
+        <p:spPr/>
+        <p:txBody>
+          <a:bodyPr/>
+          <a:lstStyle/>
+          <a:p>
+            <a:r>
+              <a:rPr lang="en-US" dirty="0" smtClean="0"/>
+              <a:t>Data-Tier Application (DAC)</a:t>
+            </a:r>
+            <a:endParaRPr lang="en-US" dirty="0"/>
+          </a:p>
+        </p:txBody>
+      </p:sp>
+      <p:sp>
+        <p:nvSpPr>
+          <p:cNvPr id="3" name="Content Placeholder 2"/>
+          <p:cNvSpPr>
+            <a:spLocks noGrp="1"/>
+          </p:cNvSpPr>
+          <p:nvPr>
+            <p:ph idx="1"/>
+          </p:nvPr>
+        </p:nvSpPr>
+        <p:spPr/>
+        <p:txBody>
+          <a:bodyPr/>
+          <a:lstStyle/>
+          <a:p>
+            <a:r>
+              <a:rPr lang="en-US" dirty="0" smtClean="0"/>
+              <a:t>Logical database management entity</a:t>
+            </a:r>
+          </a:p>
+          <a:p>
+            <a:r>
+              <a:rPr lang="en-US" dirty="0" smtClean="0"/>
+              <a:t>Defines all SQL Server objects for a database</a:t>
+            </a:r>
+            <a:endParaRPr lang="en-US" dirty="0"/>
+          </a:p>
+          <a:p>
+            <a:r>
+              <a:rPr lang="en-US" dirty="0" smtClean="0"/>
+              <a:t>Self contained unit of SQL Server database deployment</a:t>
+            </a:r>
+          </a:p>
+          <a:p>
+            <a:r>
+              <a:rPr lang="en-US" dirty="0" smtClean="0"/>
+              <a:t>DAC package (DACPAC) is a Windows file generated by DAC tools that can be shared between developers and DBAs</a:t>
+            </a:r>
+          </a:p>
+          <a:p>
+            <a:r>
+              <a:rPr lang="en-US" dirty="0" smtClean="0"/>
+              <a:t>BACPAC is a DACPAC that contains data as well </a:t>
+            </a:r>
+            <a:r>
+              <a:rPr lang="en-US" smtClean="0"/>
+              <a:t>as schema</a:t>
+            </a:r>
+            <a:endParaRPr lang="en-US" dirty="0"/>
+          </a:p>
+        </p:txBody>
+      </p:sp>
+    </p:spTree>
+    <p:extLst>
+      <p:ext uri="{BB962C8B-B14F-4D97-AF65-F5344CB8AC3E}">
+        <p14:creationId xmlns:p14="http://schemas.microsoft.com/office/powerpoint/2010/main" val="150000728"/>
+      </p:ext>
+    </p:extLst>
+  </p:cSld>
+  <p:clrMapOvr>
+    <a:masterClrMapping/>
+  </p:clrMapOvr>
+  <mc:AlternateContent xmlns:mc="http://schemas.openxmlformats.org/markup-compatibility/2006">
+    <mc:Choice xmlns:p14="http://schemas.microsoft.com/office/powerpoint/2010/main" Requires="p14">
+      <p:transition spd="med" p14:dur="700">
+        <p:fade/>
+      </p:transition>
+    </mc:Choice>
+    <mc:Fallback>
+      <p:transition spd="med">
+        <p:fade/>
+      </p:transition>
+    </mc:Fallback>
+  </mc:AlternateContent>
+</p:sld>
+</file>
+
+<file path=ppt/slides/slide8.xml><?xml version="1.0" encoding="utf-8"?>
+<p:sld xmlns:a="http://schemas.openxmlformats.org/drawingml/2006/main" xmlns:r="http://schemas.openxmlformats.org/officeDocument/2006/relationships" xmlns:p="http://schemas.openxmlformats.org/presentationml/2006/main">
+  <p:cSld>
+    <p:spTree>
+      <p:nvGrpSpPr>
+        <p:cNvPr id="1" name=""/>
+        <p:cNvGrpSpPr/>
+        <p:nvPr/>
+      </p:nvGrpSpPr>
+      <p:grpSpPr>
+        <a:xfrm>
+          <a:off x="0" y="0"/>
+          <a:ext cx="0" cy="0"/>
+          <a:chOff x="0" y="0"/>
+          <a:chExt cx="0" cy="0"/>
+        </a:xfrm>
+      </p:grpSpPr>
+      <p:sp>
+        <p:nvSpPr>
           <p:cNvPr id="6" name="Title 5"/>
           <p:cNvSpPr>
             <a:spLocks noGrp="1"/>
@@ -5881,7 +6231,7 @@
 </p:sld>
 </file>
 
-<file path=ppt/slides/slide7.xml><?xml version="1.0" encoding="utf-8"?>
+<file path=ppt/slides/slide9.xml><?xml version="1.0" encoding="utf-8"?>
 <p:sld xmlns:a="http://schemas.openxmlformats.org/drawingml/2006/main" xmlns:r="http://schemas.openxmlformats.org/officeDocument/2006/relationships" xmlns:p="http://schemas.openxmlformats.org/presentationml/2006/main">
   <p:cSld>
     <p:spTree>
@@ -5951,104 +6301,6 @@
     <p:extLst>
       <p:ext uri="{BB962C8B-B14F-4D97-AF65-F5344CB8AC3E}">
         <p14:creationId xmlns:p14="http://schemas.microsoft.com/office/powerpoint/2010/main" val="2543859953"/>
-      </p:ext>
-    </p:extLst>
-  </p:cSld>
-  <p:clrMapOvr>
-    <a:masterClrMapping/>
-  </p:clrMapOvr>
-  <mc:AlternateContent xmlns:mc="http://schemas.openxmlformats.org/markup-compatibility/2006">
-    <mc:Choice xmlns:p14="http://schemas.microsoft.com/office/powerpoint/2010/main" Requires="p14">
-      <p:transition spd="med" p14:dur="700">
-        <p:fade/>
-      </p:transition>
-    </mc:Choice>
-    <mc:Fallback>
-      <p:transition spd="med">
-        <p:fade/>
-      </p:transition>
-    </mc:Fallback>
-  </mc:AlternateContent>
-  <p:timing>
-    <p:tnLst>
-      <p:par>
-        <p:cTn id="1" dur="indefinite" restart="never" nodeType="tmRoot"/>
-      </p:par>
-    </p:tnLst>
-  </p:timing>
-</p:sld>
-</file>
-
-<file path=ppt/slides/slide8.xml><?xml version="1.0" encoding="utf-8"?>
-<p:sld xmlns:a="http://schemas.openxmlformats.org/drawingml/2006/main" xmlns:r="http://schemas.openxmlformats.org/officeDocument/2006/relationships" xmlns:p="http://schemas.openxmlformats.org/presentationml/2006/main">
-  <p:cSld>
-    <p:spTree>
-      <p:nvGrpSpPr>
-        <p:cNvPr id="1" name=""/>
-        <p:cNvGrpSpPr/>
-        <p:nvPr/>
-      </p:nvGrpSpPr>
-      <p:grpSpPr>
-        <a:xfrm>
-          <a:off x="0" y="0"/>
-          <a:ext cx="0" cy="0"/>
-          <a:chOff x="0" y="0"/>
-          <a:chExt cx="0" cy="0"/>
-        </a:xfrm>
-      </p:grpSpPr>
-      <p:sp>
-        <p:nvSpPr>
-          <p:cNvPr id="6" name="Title 5"/>
-          <p:cNvSpPr>
-            <a:spLocks noGrp="1"/>
-          </p:cNvSpPr>
-          <p:nvPr>
-            <p:ph type="title"/>
-          </p:nvPr>
-        </p:nvSpPr>
-        <p:spPr/>
-        <p:txBody>
-          <a:bodyPr/>
-          <a:lstStyle/>
-          <a:p>
-            <a:r>
-              <a:rPr lang="en-US" dirty="0" smtClean="0"/>
-              <a:t>Demo: </a:t>
-            </a:r>
-            <a:br>
-              <a:rPr lang="en-US" dirty="0" smtClean="0"/>
-            </a:br>
-            <a:r>
-              <a:rPr lang="en-US" dirty="0" smtClean="0"/>
-              <a:t>Entity Framework Code First</a:t>
-            </a:r>
-            <a:endParaRPr lang="en-US" dirty="0"/>
-          </a:p>
-        </p:txBody>
-      </p:sp>
-      <p:sp>
-        <p:nvSpPr>
-          <p:cNvPr id="7" name="Text Placeholder 6"/>
-          <p:cNvSpPr>
-            <a:spLocks noGrp="1"/>
-          </p:cNvSpPr>
-          <p:nvPr>
-            <p:ph type="body" idx="1"/>
-          </p:nvPr>
-        </p:nvSpPr>
-        <p:spPr/>
-        <p:txBody>
-          <a:bodyPr/>
-          <a:lstStyle/>
-          <a:p>
-            <a:endParaRPr lang="en-US" dirty="0"/>
-          </a:p>
-        </p:txBody>
-      </p:sp>
-    </p:spTree>
-    <p:extLst>
-      <p:ext uri="{BB962C8B-B14F-4D97-AF65-F5344CB8AC3E}">
-        <p14:creationId xmlns:p14="http://schemas.microsoft.com/office/powerpoint/2010/main" val="1222112105"/>
       </p:ext>
     </p:extLst>
   </p:cSld>

--- a/Slides/SSDT Introduction.pptx
+++ b/Slides/SSDT Introduction.pptx
@@ -5,10 +5,10 @@
     <p:sldMasterId id="2147483660" r:id="rId2"/>
   </p:sldMasterIdLst>
   <p:notesMasterIdLst>
-    <p:notesMasterId r:id="rId13"/>
+    <p:notesMasterId r:id="rId14"/>
   </p:notesMasterIdLst>
   <p:handoutMasterIdLst>
-    <p:handoutMasterId r:id="rId14"/>
+    <p:handoutMasterId r:id="rId15"/>
   </p:handoutMasterIdLst>
   <p:sldIdLst>
     <p:sldId id="257" r:id="rId3"/>
@@ -21,6 +21,7 @@
     <p:sldId id="259" r:id="rId10"/>
     <p:sldId id="276" r:id="rId11"/>
     <p:sldId id="277" r:id="rId12"/>
+    <p:sldId id="280" r:id="rId13"/>
   </p:sldIdLst>
   <p:sldSz cx="12188825" cy="6858000"/>
   <p:notesSz cx="6858000" cy="9144000"/>
@@ -234,7 +235,7 @@
           <a:p>
             <a:fld id="{FE5B4EDC-59C0-49C7-8ADA-5A781B329E02}" type="datetimeFigureOut">
               <a:rPr lang="en-US"/>
-              <a:t>1/18/2014</a:t>
+              <a:t>1/22/2014</a:t>
             </a:fld>
             <a:endParaRPr/>
           </a:p>
@@ -399,7 +400,7 @@
           <a:p>
             <a:fld id="{F2D8D46A-B586-417D-BFBD-8C8FE0AAF762}" type="datetimeFigureOut">
               <a:rPr lang="en-US"/>
-              <a:t>1/18/2014</a:t>
+              <a:t>1/22/2014</a:t>
             </a:fld>
             <a:endParaRPr/>
           </a:p>
@@ -1422,7 +1423,7 @@
           <a:p>
             <a:fld id="{F0DFD029-FB74-4578-B929-F66AA97659CA}" type="datetimeFigureOut">
               <a:rPr lang="en-US"/>
-              <a:t>1/18/2014</a:t>
+              <a:t>1/22/2014</a:t>
             </a:fld>
             <a:endParaRPr/>
           </a:p>
@@ -1627,7 +1628,7 @@
           <a:p>
             <a:fld id="{F0DFD029-FB74-4578-B929-F66AA97659CA}" type="datetimeFigureOut">
               <a:rPr lang="en-US"/>
-              <a:t>1/18/2014</a:t>
+              <a:t>1/22/2014</a:t>
             </a:fld>
             <a:endParaRPr/>
           </a:p>
@@ -1842,7 +1843,7 @@
           <a:p>
             <a:fld id="{F0DFD029-FB74-4578-B929-F66AA97659CA}" type="datetimeFigureOut">
               <a:rPr lang="en-US"/>
-              <a:t>1/18/2014</a:t>
+              <a:t>1/22/2014</a:t>
             </a:fld>
             <a:endParaRPr/>
           </a:p>
@@ -2047,7 +2048,7 @@
           <a:p>
             <a:fld id="{F0DFD029-FB74-4578-B929-F66AA97659CA}" type="datetimeFigureOut">
               <a:rPr lang="en-US"/>
-              <a:t>1/18/2014</a:t>
+              <a:t>1/22/2014</a:t>
             </a:fld>
             <a:endParaRPr/>
           </a:p>
@@ -2317,7 +2318,7 @@
           <a:p>
             <a:fld id="{F0DFD029-FB74-4578-B929-F66AA97659CA}" type="datetimeFigureOut">
               <a:rPr lang="en-US"/>
-              <a:t>1/18/2014</a:t>
+              <a:t>1/22/2014</a:t>
             </a:fld>
             <a:endParaRPr/>
           </a:p>
@@ -2797,7 +2798,7 @@
           <a:p>
             <a:fld id="{F0DFD029-FB74-4578-B929-F66AA97659CA}" type="datetimeFigureOut">
               <a:rPr lang="en-US"/>
-              <a:t>1/18/2014</a:t>
+              <a:t>1/22/2014</a:t>
             </a:fld>
             <a:endParaRPr/>
           </a:p>
@@ -3260,7 +3261,7 @@
           <a:p>
             <a:fld id="{F0DFD029-FB74-4578-B929-F66AA97659CA}" type="datetimeFigureOut">
               <a:rPr lang="en-US"/>
-              <a:t>1/18/2014</a:t>
+              <a:t>1/22/2014</a:t>
             </a:fld>
             <a:endParaRPr/>
           </a:p>
@@ -3397,7 +3398,7 @@
           <a:p>
             <a:fld id="{F0DFD029-FB74-4578-B929-F66AA97659CA}" type="datetimeFigureOut">
               <a:rPr lang="en-US"/>
-              <a:t>1/18/2014</a:t>
+              <a:t>1/22/2014</a:t>
             </a:fld>
             <a:endParaRPr/>
           </a:p>
@@ -3511,7 +3512,7 @@
           <a:p>
             <a:fld id="{F0DFD029-FB74-4578-B929-F66AA97659CA}" type="datetimeFigureOut">
               <a:rPr lang="en-US"/>
-              <a:t>1/18/2014</a:t>
+              <a:t>1/22/2014</a:t>
             </a:fld>
             <a:endParaRPr/>
           </a:p>
@@ -3817,7 +3818,7 @@
           <a:p>
             <a:fld id="{F0DFD029-FB74-4578-B929-F66AA97659CA}" type="datetimeFigureOut">
               <a:rPr lang="en-US"/>
-              <a:t>1/18/2014</a:t>
+              <a:t>1/22/2014</a:t>
             </a:fld>
             <a:endParaRPr/>
           </a:p>
@@ -4112,7 +4113,7 @@
           <a:p>
             <a:fld id="{F0DFD029-FB74-4578-B929-F66AA97659CA}" type="datetimeFigureOut">
               <a:rPr lang="en-US"/>
-              <a:t>1/18/2014</a:t>
+              <a:t>1/22/2014</a:t>
             </a:fld>
             <a:endParaRPr/>
           </a:p>
@@ -4742,7 +4743,7 @@
             <a:fld id="{F0DFD029-FB74-4578-B929-F66AA97659CA}" type="datetimeFigureOut">
               <a:rPr lang="en-US"/>
               <a:pPr/>
-              <a:t>1/18/2014</a:t>
+              <a:t>1/22/2014</a:t>
             </a:fld>
             <a:endParaRPr/>
           </a:p>
@@ -5258,14 +5259,10 @@
           <a:lstStyle/>
           <a:p>
             <a:r>
-              <a:rPr lang="en-US" dirty="0" smtClean="0"/>
-              <a:t>An </a:t>
-            </a:r>
-            <a:r>
-              <a:rPr lang="en-US" dirty="0"/>
-              <a:t>Introduction</a:t>
-            </a:r>
-            <a:endParaRPr lang="en-US" dirty="0"/>
+              <a:rPr lang="en-US" b="1" cap="none" dirty="0"/>
+              <a:t>http://tinyurl.com/ssdt-doc</a:t>
+            </a:r>
+            <a:endParaRPr lang="en-US" cap="none" dirty="0"/>
           </a:p>
         </p:txBody>
       </p:sp>
@@ -5377,6 +5374,147 @@
   <p:clrMapOvr>
     <a:masterClrMapping/>
   </p:clrMapOvr>
+  <mc:AlternateContent xmlns:mc="http://schemas.openxmlformats.org/markup-compatibility/2006" xmlns:p14="http://schemas.microsoft.com/office/powerpoint/2010/main">
+    <mc:Choice Requires="p14">
+      <p:transition spd="med" p14:dur="700">
+        <p:fade/>
+      </p:transition>
+    </mc:Choice>
+    <mc:Fallback xmlns="">
+      <p:transition spd="med">
+        <p:fade/>
+      </p:transition>
+    </mc:Fallback>
+  </mc:AlternateContent>
+  <p:timing>
+    <p:tnLst>
+      <p:par>
+        <p:cTn id="1" dur="indefinite" restart="never" nodeType="tmRoot"/>
+      </p:par>
+    </p:tnLst>
+  </p:timing>
+</p:sld>
+</file>
+
+<file path=ppt/slides/slide11.xml><?xml version="1.0" encoding="utf-8"?>
+<p:sld xmlns:a="http://schemas.openxmlformats.org/drawingml/2006/main" xmlns:r="http://schemas.openxmlformats.org/officeDocument/2006/relationships" xmlns:p="http://schemas.openxmlformats.org/presentationml/2006/main">
+  <p:cSld>
+    <p:spTree>
+      <p:nvGrpSpPr>
+        <p:cNvPr id="1" name=""/>
+        <p:cNvGrpSpPr/>
+        <p:nvPr/>
+      </p:nvGrpSpPr>
+      <p:grpSpPr>
+        <a:xfrm>
+          <a:off x="0" y="0"/>
+          <a:ext cx="0" cy="0"/>
+          <a:chOff x="0" y="0"/>
+          <a:chExt cx="0" cy="0"/>
+        </a:xfrm>
+      </p:grpSpPr>
+      <p:sp>
+        <p:nvSpPr>
+          <p:cNvPr id="2" name="Title 1"/>
+          <p:cNvSpPr>
+            <a:spLocks noGrp="1"/>
+          </p:cNvSpPr>
+          <p:nvPr>
+            <p:ph type="title"/>
+          </p:nvPr>
+        </p:nvSpPr>
+        <p:spPr/>
+        <p:txBody>
+          <a:bodyPr/>
+          <a:lstStyle/>
+          <a:p>
+            <a:r>
+              <a:rPr lang="en-US" dirty="0" smtClean="0"/>
+              <a:t>Jeremy Brown</a:t>
+            </a:r>
+            <a:endParaRPr lang="en-US" dirty="0"/>
+          </a:p>
+        </p:txBody>
+      </p:sp>
+      <p:sp>
+        <p:nvSpPr>
+          <p:cNvPr id="3" name="Content Placeholder 2"/>
+          <p:cNvSpPr>
+            <a:spLocks noGrp="1"/>
+          </p:cNvSpPr>
+          <p:nvPr>
+            <p:ph idx="1"/>
+          </p:nvPr>
+        </p:nvSpPr>
+        <p:spPr/>
+        <p:txBody>
+          <a:bodyPr/>
+          <a:lstStyle/>
+          <a:p>
+            <a:r>
+              <a:rPr lang="en-US" dirty="0" smtClean="0"/>
+              <a:t>Email: </a:t>
+            </a:r>
+            <a:r>
+              <a:rPr lang="en-US" dirty="0" smtClean="0">
+                <a:hlinkClick r:id="rId2"/>
+              </a:rPr>
+              <a:t>Jeremy@jeremysbrown.com</a:t>
+            </a:r>
+            <a:endParaRPr lang="en-US" dirty="0" smtClean="0"/>
+          </a:p>
+          <a:p>
+            <a:r>
+              <a:rPr lang="en-US" dirty="0" smtClean="0"/>
+              <a:t>Twitter: @</a:t>
+            </a:r>
+            <a:r>
+              <a:rPr lang="en-US" dirty="0" err="1" smtClean="0"/>
+              <a:t>jeremysbrown</a:t>
+            </a:r>
+            <a:endParaRPr lang="en-US" dirty="0" smtClean="0"/>
+          </a:p>
+          <a:p>
+            <a:r>
+              <a:rPr lang="en-US" dirty="0" err="1" smtClean="0"/>
+              <a:t>GitHub</a:t>
+            </a:r>
+            <a:r>
+              <a:rPr lang="en-US" dirty="0"/>
+              <a:t>: </a:t>
+            </a:r>
+            <a:r>
+              <a:rPr lang="en-US" dirty="0">
+                <a:hlinkClick r:id="rId3"/>
+              </a:rPr>
+              <a:t>https://github.com/JeremySBrown</a:t>
+            </a:r>
+            <a:r>
+              <a:rPr lang="en-US" dirty="0" smtClean="0">
+                <a:hlinkClick r:id="rId3"/>
+              </a:rPr>
+              <a:t>/</a:t>
+            </a:r>
+            <a:endParaRPr lang="en-US" dirty="0" smtClean="0"/>
+          </a:p>
+          <a:p>
+            <a:endParaRPr lang="en-US" dirty="0" smtClean="0"/>
+          </a:p>
+          <a:p>
+            <a:endParaRPr lang="en-US" dirty="0"/>
+          </a:p>
+        </p:txBody>
+      </p:sp>
+    </p:spTree>
+    <p:extLst>
+      <p:ext uri="{BB962C8B-B14F-4D97-AF65-F5344CB8AC3E}">
+        <p14:creationId xmlns:p14="http://schemas.microsoft.com/office/powerpoint/2010/main" val="647267632"/>
+      </p:ext>
+    </p:extLst>
+  </p:cSld>
+  <p:clrMapOvr>
+    <a:masterClrMapping/>
+  </p:clrMapOvr>
   <mc:AlternateContent xmlns:mc="http://schemas.openxmlformats.org/markup-compatibility/2006">
     <mc:Choice xmlns:p14="http://schemas.microsoft.com/office/powerpoint/2010/main" Requires="p14">
       <p:transition spd="med" p14:dur="700">
@@ -5389,13 +5527,6 @@
       </p:transition>
     </mc:Fallback>
   </mc:AlternateContent>
-  <p:timing>
-    <p:tnLst>
-      <p:par>
-        <p:cTn id="1" dur="indefinite" restart="never" nodeType="tmRoot"/>
-      </p:par>
-    </p:tnLst>
-  </p:timing>
 </p:sld>
 </file>
 
@@ -5458,7 +5589,6 @@
               <a:rPr lang="en-US" dirty="0" smtClean="0"/>
               <a:t>Provides Tooling for Both SQL Server &amp; SQL Azure</a:t>
             </a:r>
-            <a:endParaRPr lang="en-US" dirty="0" smtClean="0"/>
           </a:p>
           <a:p>
             <a:r>
@@ -5477,7 +5607,6 @@
               <a:rPr lang="en-US" dirty="0" smtClean="0"/>
               <a:t>Rich T-SQL support for refactoring databases, building views, stored procedures, functions and triggers</a:t>
             </a:r>
-            <a:endParaRPr lang="en-US" dirty="0" smtClean="0"/>
           </a:p>
           <a:p>
             <a:r>
@@ -5490,7 +5619,6 @@
               <a:rPr lang="en-US" dirty="0" smtClean="0"/>
               <a:t>Supports SQL CLR Development and Unit Testing</a:t>
             </a:r>
-            <a:endParaRPr lang="en-US" dirty="0" smtClean="0"/>
           </a:p>
           <a:p>
             <a:pPr lvl="1"/>
@@ -5619,7 +5747,6 @@
               <a:rPr lang="en-US" dirty="0" smtClean="0"/>
               <a:t>CTP of SSDT is available for SQL Server 2014 CTP2</a:t>
             </a:r>
-            <a:endParaRPr lang="en-US" dirty="0" smtClean="0"/>
           </a:p>
         </p:txBody>
       </p:sp>
@@ -5633,13 +5760,13 @@
   <p:clrMapOvr>
     <a:masterClrMapping/>
   </p:clrMapOvr>
-  <mc:AlternateContent xmlns:mc="http://schemas.openxmlformats.org/markup-compatibility/2006">
-    <mc:Choice xmlns:p14="http://schemas.microsoft.com/office/powerpoint/2010/main" Requires="p14">
+  <mc:AlternateContent xmlns:mc="http://schemas.openxmlformats.org/markup-compatibility/2006" xmlns:p14="http://schemas.microsoft.com/office/powerpoint/2010/main">
+    <mc:Choice Requires="p14">
       <p:transition spd="med" p14:dur="700">
         <p:fade/>
       </p:transition>
     </mc:Choice>
-    <mc:Fallback>
+    <mc:Fallback xmlns="">
       <p:transition spd="med">
         <p:fade/>
       </p:transition>
@@ -5714,7 +5841,6 @@
               <a:rPr lang="en-US" dirty="0" smtClean="0"/>
               <a:t>Visual Studio 2010 SP1 – installed as in add-in</a:t>
             </a:r>
-            <a:endParaRPr lang="en-US" dirty="0" smtClean="0"/>
           </a:p>
           <a:p>
             <a:r>
@@ -5746,13 +5872,13 @@
   <p:clrMapOvr>
     <a:masterClrMapping/>
   </p:clrMapOvr>
-  <mc:AlternateContent xmlns:mc="http://schemas.openxmlformats.org/markup-compatibility/2006">
-    <mc:Choice xmlns:p14="http://schemas.microsoft.com/office/powerpoint/2010/main" Requires="p14">
+  <mc:AlternateContent xmlns:mc="http://schemas.openxmlformats.org/markup-compatibility/2006" xmlns:p14="http://schemas.microsoft.com/office/powerpoint/2010/main">
+    <mc:Choice Requires="p14">
       <p:transition spd="med" p14:dur="700">
         <p:fade/>
       </p:transition>
     </mc:Choice>
-    <mc:Fallback>
+    <mc:Fallback xmlns="">
       <p:transition spd="med">
         <p:fade/>
       </p:transition>
@@ -5861,13 +5987,13 @@
   <p:clrMapOvr>
     <a:masterClrMapping/>
   </p:clrMapOvr>
-  <mc:AlternateContent xmlns:mc="http://schemas.openxmlformats.org/markup-compatibility/2006">
-    <mc:Choice xmlns:p14="http://schemas.microsoft.com/office/powerpoint/2010/main" Requires="p14">
+  <mc:AlternateContent xmlns:mc="http://schemas.openxmlformats.org/markup-compatibility/2006" xmlns:p14="http://schemas.microsoft.com/office/powerpoint/2010/main">
+    <mc:Choice Requires="p14">
       <p:transition spd="med" p14:dur="700">
         <p:fade/>
       </p:transition>
     </mc:Choice>
-    <mc:Fallback>
+    <mc:Fallback xmlns="">
       <p:transition spd="med">
         <p:fade/>
       </p:transition>
@@ -6001,13 +6127,13 @@
   <p:clrMapOvr>
     <a:masterClrMapping/>
   </p:clrMapOvr>
-  <mc:AlternateContent xmlns:mc="http://schemas.openxmlformats.org/markup-compatibility/2006">
-    <mc:Choice xmlns:p14="http://schemas.microsoft.com/office/powerpoint/2010/main" Requires="p14">
+  <mc:AlternateContent xmlns:mc="http://schemas.openxmlformats.org/markup-compatibility/2006" xmlns:p14="http://schemas.microsoft.com/office/powerpoint/2010/main">
+    <mc:Choice Requires="p14">
       <p:transition spd="med" p14:dur="700">
         <p:fade/>
       </p:transition>
     </mc:Choice>
-    <mc:Fallback>
+    <mc:Fallback xmlns="">
       <p:transition spd="med">
         <p:fade/>
       </p:transition>
@@ -6118,13 +6244,13 @@
   <p:clrMapOvr>
     <a:masterClrMapping/>
   </p:clrMapOvr>
-  <mc:AlternateContent xmlns:mc="http://schemas.openxmlformats.org/markup-compatibility/2006">
-    <mc:Choice xmlns:p14="http://schemas.microsoft.com/office/powerpoint/2010/main" Requires="p14">
+  <mc:AlternateContent xmlns:mc="http://schemas.openxmlformats.org/markup-compatibility/2006" xmlns:p14="http://schemas.microsoft.com/office/powerpoint/2010/main">
+    <mc:Choice Requires="p14">
       <p:transition spd="med" p14:dur="700">
         <p:fade/>
       </p:transition>
     </mc:Choice>
-    <mc:Fallback>
+    <mc:Fallback xmlns="">
       <p:transition spd="med">
         <p:fade/>
       </p:transition>
@@ -6307,13 +6433,13 @@
   <p:clrMapOvr>
     <a:masterClrMapping/>
   </p:clrMapOvr>
-  <mc:AlternateContent xmlns:mc="http://schemas.openxmlformats.org/markup-compatibility/2006">
-    <mc:Choice xmlns:p14="http://schemas.microsoft.com/office/powerpoint/2010/main" Requires="p14">
+  <mc:AlternateContent xmlns:mc="http://schemas.openxmlformats.org/markup-compatibility/2006" xmlns:p14="http://schemas.microsoft.com/office/powerpoint/2010/main">
+    <mc:Choice Requires="p14">
       <p:transition spd="med" p14:dur="700">
         <p:fade/>
       </p:transition>
     </mc:Choice>
-    <mc:Fallback>
+    <mc:Fallback xmlns="">
       <p:transition spd="med">
         <p:fade/>
       </p:transition>
